--- a/day3_Unix.pptx
+++ b/day3_Unix.pptx
@@ -6636,7 +6636,7 @@
           <a:p>
             <a:fld id="{70F679AF-909A-4245-86E7-698F41E2ACF1}" type="datetimeFigureOut">
               <a:rPr lang="en-US" smtClean="0"/>
-              <a:t>5/25/19</a:t>
+              <a:t>5/28/19</a:t>
             </a:fld>
             <a:endParaRPr lang="en-US"/>
           </a:p>
@@ -7360,7 +7360,7 @@
           <a:p>
             <a:fld id="{5156F65C-B851-CC4D-9273-9AD4DD6B8802}" type="datetimeFigureOut">
               <a:rPr lang="en-US" smtClean="0"/>
-              <a:t>5/25/19</a:t>
+              <a:t>5/28/19</a:t>
             </a:fld>
             <a:endParaRPr lang="en-US"/>
           </a:p>
@@ -7528,7 +7528,7 @@
           <a:p>
             <a:fld id="{5156F65C-B851-CC4D-9273-9AD4DD6B8802}" type="datetimeFigureOut">
               <a:rPr lang="en-US" smtClean="0"/>
-              <a:t>5/25/19</a:t>
+              <a:t>5/28/19</a:t>
             </a:fld>
             <a:endParaRPr lang="en-US"/>
           </a:p>
@@ -7706,7 +7706,7 @@
           <a:p>
             <a:fld id="{5156F65C-B851-CC4D-9273-9AD4DD6B8802}" type="datetimeFigureOut">
               <a:rPr lang="en-US" smtClean="0"/>
-              <a:t>5/25/19</a:t>
+              <a:t>5/28/19</a:t>
             </a:fld>
             <a:endParaRPr lang="en-US"/>
           </a:p>
@@ -7874,7 +7874,7 @@
           <a:p>
             <a:fld id="{5156F65C-B851-CC4D-9273-9AD4DD6B8802}" type="datetimeFigureOut">
               <a:rPr lang="en-US" smtClean="0"/>
-              <a:t>5/25/19</a:t>
+              <a:t>5/28/19</a:t>
             </a:fld>
             <a:endParaRPr lang="en-US"/>
           </a:p>
@@ -8119,7 +8119,7 @@
           <a:p>
             <a:fld id="{5156F65C-B851-CC4D-9273-9AD4DD6B8802}" type="datetimeFigureOut">
               <a:rPr lang="en-US" smtClean="0"/>
-              <a:t>5/25/19</a:t>
+              <a:t>5/28/19</a:t>
             </a:fld>
             <a:endParaRPr lang="en-US"/>
           </a:p>
@@ -8404,7 +8404,7 @@
           <a:p>
             <a:fld id="{5156F65C-B851-CC4D-9273-9AD4DD6B8802}" type="datetimeFigureOut">
               <a:rPr lang="en-US" smtClean="0"/>
-              <a:t>5/25/19</a:t>
+              <a:t>5/28/19</a:t>
             </a:fld>
             <a:endParaRPr lang="en-US"/>
           </a:p>
@@ -8823,7 +8823,7 @@
           <a:p>
             <a:fld id="{5156F65C-B851-CC4D-9273-9AD4DD6B8802}" type="datetimeFigureOut">
               <a:rPr lang="en-US" smtClean="0"/>
-              <a:t>5/25/19</a:t>
+              <a:t>5/28/19</a:t>
             </a:fld>
             <a:endParaRPr lang="en-US"/>
           </a:p>
@@ -8940,7 +8940,7 @@
           <a:p>
             <a:fld id="{5156F65C-B851-CC4D-9273-9AD4DD6B8802}" type="datetimeFigureOut">
               <a:rPr lang="en-US" smtClean="0"/>
-              <a:t>5/25/19</a:t>
+              <a:t>5/28/19</a:t>
             </a:fld>
             <a:endParaRPr lang="en-US"/>
           </a:p>
@@ -9035,7 +9035,7 @@
           <a:p>
             <a:fld id="{5156F65C-B851-CC4D-9273-9AD4DD6B8802}" type="datetimeFigureOut">
               <a:rPr lang="en-US" smtClean="0"/>
-              <a:t>5/25/19</a:t>
+              <a:t>5/28/19</a:t>
             </a:fld>
             <a:endParaRPr lang="en-US"/>
           </a:p>
@@ -9310,7 +9310,7 @@
           <a:p>
             <a:fld id="{5156F65C-B851-CC4D-9273-9AD4DD6B8802}" type="datetimeFigureOut">
               <a:rPr lang="en-US" smtClean="0"/>
-              <a:t>5/25/19</a:t>
+              <a:t>5/28/19</a:t>
             </a:fld>
             <a:endParaRPr lang="en-US"/>
           </a:p>
@@ -9562,7 +9562,7 @@
           <a:p>
             <a:fld id="{5156F65C-B851-CC4D-9273-9AD4DD6B8802}" type="datetimeFigureOut">
               <a:rPr lang="en-US" smtClean="0"/>
-              <a:t>5/25/19</a:t>
+              <a:t>5/28/19</a:t>
             </a:fld>
             <a:endParaRPr lang="en-US"/>
           </a:p>
@@ -9773,7 +9773,7 @@
           <a:p>
             <a:fld id="{5156F65C-B851-CC4D-9273-9AD4DD6B8802}" type="datetimeFigureOut">
               <a:rPr lang="en-US" smtClean="0"/>
-              <a:t>5/25/19</a:t>
+              <a:t>5/28/19</a:t>
             </a:fld>
             <a:endParaRPr lang="en-US"/>
           </a:p>
@@ -11128,7 +11128,7 @@
         <p:spPr>
           <a:xfrm>
             <a:off x="266700" y="1671934"/>
-            <a:ext cx="8521700" cy="3508653"/>
+            <a:ext cx="8521700" cy="2277547"/>
           </a:xfrm>
           <a:prstGeom prst="rect">
             <a:avLst/>
@@ -11156,10 +11156,20 @@
             </a:r>
           </a:p>
           <a:p>
-            <a:endParaRPr lang="en-US" sz="2000" dirty="0">
-              <a:latin typeface="Courier New"/>
-              <a:cs typeface="Courier New"/>
-            </a:endParaRPr>
+            <a:r>
+              <a:rPr lang="en-US" sz="2000" dirty="0" err="1">
+                <a:latin typeface="Courier New"/>
+                <a:cs typeface="Courier New"/>
+              </a:rPr>
+              <a:t>wc</a:t>
+            </a:r>
+            <a:r>
+              <a:rPr lang="en-US" sz="2000" dirty="0">
+                <a:latin typeface="Courier New"/>
+                <a:cs typeface="Courier New"/>
+              </a:rPr>
+              <a:t> –l hg19.gtf</a:t>
+            </a:r>
           </a:p>
           <a:p>
             <a:r>
@@ -11174,61 +11184,7 @@
                 <a:latin typeface="Courier New"/>
                 <a:cs typeface="Courier New"/>
               </a:rPr>
-              <a:t> ' END {print NR}' hg19.gtf</a:t>
-            </a:r>
-          </a:p>
-          <a:p>
-            <a:r>
-              <a:rPr lang="en-US" sz="2000" dirty="0" err="1">
-                <a:latin typeface="Courier New"/>
-                <a:cs typeface="Courier New"/>
-              </a:rPr>
-              <a:t>wc</a:t>
-            </a:r>
-            <a:r>
-              <a:rPr lang="en-US" sz="2000" dirty="0">
-                <a:latin typeface="Courier New"/>
-                <a:cs typeface="Courier New"/>
-              </a:rPr>
-              <a:t> –l hg19.gtf</a:t>
-            </a:r>
-          </a:p>
-          <a:p>
-            <a:endParaRPr lang="en-US" sz="2000" dirty="0">
-              <a:latin typeface="Courier New"/>
-              <a:cs typeface="Courier New"/>
-            </a:endParaRPr>
-          </a:p>
-          <a:p>
-            <a:r>
-              <a:rPr lang="en-US" sz="2000" dirty="0" err="1">
-                <a:latin typeface="Courier New"/>
-                <a:cs typeface="Courier New"/>
-              </a:rPr>
-              <a:t>awk</a:t>
-            </a:r>
-            <a:r>
-              <a:rPr lang="en-US" sz="2000" dirty="0">
-                <a:latin typeface="Courier New"/>
-                <a:cs typeface="Courier New"/>
-              </a:rPr>
               <a:t> '{sum+=$4} END {print sum/3000}’ hg19.gtf</a:t>
-            </a:r>
-          </a:p>
-          <a:p>
-            <a:r>
-              <a:rPr lang="en-US" sz="2000" dirty="0" err="1">
-                <a:latin typeface="Courier New"/>
-                <a:cs typeface="Courier New"/>
-              </a:rPr>
-              <a:t>awk</a:t>
-            </a:r>
-            <a:r>
-              <a:rPr lang="en-US" sz="2000" dirty="0">
-                <a:latin typeface="Courier New"/>
-                <a:cs typeface="Courier New"/>
-              </a:rPr>
-              <a:t> '{sum+=$4} END {print sum/NR}’ hg19.gtf</a:t>
             </a:r>
           </a:p>
           <a:p>
@@ -12764,7 +12720,7 @@
                 <a:latin typeface="Courier New"/>
                 <a:cs typeface="Courier New"/>
               </a:rPr>
-              <a:t>$ sort </a:t>
+              <a:t>sort </a:t>
             </a:r>
             <a:r>
               <a:rPr lang="en-US" sz="2400" b="1" dirty="0">
@@ -12811,13 +12767,6 @@
               <a:buNone/>
             </a:pPr>
             <a:r>
-              <a:rPr lang="en-US" sz="2400" dirty="0">
-                <a:latin typeface="Courier New"/>
-                <a:cs typeface="Courier New"/>
-              </a:rPr>
-              <a:t>$ </a:t>
-            </a:r>
-            <a:r>
               <a:rPr lang="en-US" sz="2400" dirty="0" err="1">
                 <a:latin typeface="Courier New"/>
                 <a:cs typeface="Courier New"/>
@@ -12852,7 +12801,7 @@
                 <a:latin typeface="Courier New"/>
                 <a:cs typeface="Courier New"/>
               </a:rPr>
-              <a:t>$ sort </a:t>
+              <a:t>sort </a:t>
             </a:r>
             <a:r>
               <a:rPr lang="en-US" sz="2400" dirty="0" err="1">
@@ -12888,13 +12837,6 @@
               <a:buNone/>
             </a:pPr>
             <a:r>
-              <a:rPr lang="en-US" sz="2400" dirty="0">
-                <a:latin typeface="Courier New"/>
-                <a:cs typeface="Courier New"/>
-              </a:rPr>
-              <a:t>$ </a:t>
-            </a:r>
-            <a:r>
               <a:rPr lang="en-US" sz="2400" dirty="0" err="1">
                 <a:latin typeface="Courier New"/>
                 <a:cs typeface="Courier New"/>
@@ -12924,13 +12866,6 @@
             <a:pPr marL="0" indent="0">
               <a:buNone/>
             </a:pPr>
-            <a:r>
-              <a:rPr lang="en-US" sz="2400" dirty="0">
-                <a:latin typeface="Courier New"/>
-                <a:cs typeface="Courier New"/>
-              </a:rPr>
-              <a:t>$ </a:t>
-            </a:r>
             <a:r>
               <a:rPr lang="en-US" sz="2400" dirty="0" err="1">
                 <a:latin typeface="Courier New"/>
@@ -15528,7 +15463,7 @@
         </p:nvSpPr>
         <p:spPr>
           <a:xfrm>
-            <a:off x="3149600" y="4622800"/>
+            <a:off x="2510772" y="4635326"/>
             <a:ext cx="524933" cy="491067"/>
           </a:xfrm>
           <a:prstGeom prst="ellipse">
@@ -16384,7 +16319,7 @@
                 <a:buFont typeface="Arial"/>
                 <a:buNone/>
               </a:pPr>
-              <a:t>2</a:t>
+              <a:t>23</a:t>
             </a:fld>
             <a:endParaRPr lang="en-US" sz="1000">
               <a:solidFill>
@@ -18452,7 +18387,7 @@
                 <a:latin typeface="Courier New"/>
                 <a:cs typeface="Courier New"/>
               </a:rPr>
-              <a:t>emp.data</a:t>
+              <a:t>emp.txt</a:t>
             </a:r>
             <a:endParaRPr lang="en-US" sz="2800" dirty="0">
               <a:latin typeface="Courier New"/>
@@ -19131,7 +19066,7 @@
                 <a:latin typeface="Courier New"/>
                 <a:cs typeface="Courier New"/>
               </a:rPr>
-              <a:t>sales.dat</a:t>
+              <a:t>sales.txt</a:t>
             </a:r>
             <a:endParaRPr lang="en-US" sz="2400" dirty="0">
               <a:solidFill>
